--- a/JAVA8 NEW FEATURES.pptx
+++ b/JAVA8 NEW FEATURES.pptx
@@ -109,6 +109,11 @@
       </a:defRPr>
     </a:lvl9pPr>
   </p:defaultTextStyle>
+  <p:extLst>
+    <p:ext uri="{EFAFB233-063F-42B5-8137-9DF3F51BA10A}">
+      <p15:sldGuideLst xmlns:p15="http://schemas.microsoft.com/office/powerpoint/2012/main"/>
+    </p:ext>
+  </p:extLst>
 </p:presentation>
 </file>
 
@@ -835,7 +840,7 @@
             <a:fld id="{B61BEF0D-F0BB-DE4B-95CE-6DB70DBA9567}" type="datetimeFigureOut">
               <a:rPr lang="en-US" dirty="0"/>
               <a:pPr/>
-              <a:t>6/16/2018</a:t>
+              <a:t>6/24/2018</a:t>
             </a:fld>
             <a:endParaRPr lang="en-US" dirty="0"/>
           </a:p>
@@ -1083,7 +1088,7 @@
             <a:fld id="{B61BEF0D-F0BB-DE4B-95CE-6DB70DBA9567}" type="datetimeFigureOut">
               <a:rPr lang="en-US" dirty="0"/>
               <a:pPr/>
-              <a:t>6/16/2018</a:t>
+              <a:t>6/24/2018</a:t>
             </a:fld>
             <a:endParaRPr lang="en-US" dirty="0"/>
           </a:p>
@@ -1394,7 +1399,7 @@
             <a:fld id="{B61BEF0D-F0BB-DE4B-95CE-6DB70DBA9567}" type="datetimeFigureOut">
               <a:rPr lang="en-US" dirty="0"/>
               <a:pPr/>
-              <a:t>6/16/2018</a:t>
+              <a:t>6/24/2018</a:t>
             </a:fld>
             <a:endParaRPr lang="en-US" dirty="0"/>
           </a:p>
@@ -1732,7 +1737,7 @@
             <a:fld id="{B61BEF0D-F0BB-DE4B-95CE-6DB70DBA9567}" type="datetimeFigureOut">
               <a:rPr lang="en-US" dirty="0"/>
               <a:pPr/>
-              <a:t>6/16/2018</a:t>
+              <a:t>6/24/2018</a:t>
             </a:fld>
             <a:endParaRPr lang="en-US" dirty="0"/>
           </a:p>
@@ -2043,7 +2048,7 @@
             <a:fld id="{B61BEF0D-F0BB-DE4B-95CE-6DB70DBA9567}" type="datetimeFigureOut">
               <a:rPr lang="en-US" dirty="0"/>
               <a:pPr/>
-              <a:t>6/16/2018</a:t>
+              <a:t>6/24/2018</a:t>
             </a:fld>
             <a:endParaRPr lang="en-US" dirty="0"/>
           </a:p>
@@ -2433,7 +2438,7 @@
             <a:fld id="{B61BEF0D-F0BB-DE4B-95CE-6DB70DBA9567}" type="datetimeFigureOut">
               <a:rPr lang="en-US" dirty="0"/>
               <a:pPr/>
-              <a:t>6/16/2018</a:t>
+              <a:t>6/24/2018</a:t>
             </a:fld>
             <a:endParaRPr lang="en-US" dirty="0"/>
           </a:p>
@@ -2599,7 +2604,7 @@
           <a:p>
             <a:fld id="{55C6B4A9-1611-4792-9094-5F34BCA07E0B}" type="datetimeFigureOut">
               <a:rPr lang="en-US" dirty="0"/>
-              <a:t>6/16/2018</a:t>
+              <a:t>6/24/2018</a:t>
             </a:fld>
             <a:endParaRPr lang="en-US" dirty="0"/>
           </a:p>
@@ -2775,7 +2780,7 @@
             <a:fld id="{B61BEF0D-F0BB-DE4B-95CE-6DB70DBA9567}" type="datetimeFigureOut">
               <a:rPr lang="en-US" dirty="0"/>
               <a:pPr/>
-              <a:t>6/16/2018</a:t>
+              <a:t>6/24/2018</a:t>
             </a:fld>
             <a:endParaRPr lang="en-US" dirty="0"/>
           </a:p>
@@ -2948,7 +2953,7 @@
             <a:fld id="{B61BEF0D-F0BB-DE4B-95CE-6DB70DBA9567}" type="datetimeFigureOut">
               <a:rPr lang="en-US" dirty="0"/>
               <a:pPr/>
-              <a:t>6/16/2018</a:t>
+              <a:t>6/24/2018</a:t>
             </a:fld>
             <a:endParaRPr lang="en-US" dirty="0"/>
           </a:p>
@@ -3192,7 +3197,7 @@
             <a:fld id="{B61BEF0D-F0BB-DE4B-95CE-6DB70DBA9567}" type="datetimeFigureOut">
               <a:rPr lang="en-US" dirty="0"/>
               <a:pPr/>
-              <a:t>6/16/2018</a:t>
+              <a:t>6/24/2018</a:t>
             </a:fld>
             <a:endParaRPr lang="en-US" dirty="0"/>
           </a:p>
@@ -3420,7 +3425,7 @@
           <a:p>
             <a:fld id="{EB712588-04B1-427B-82EE-E8DB90309F08}" type="datetimeFigureOut">
               <a:rPr lang="en-US" dirty="0"/>
-              <a:t>6/16/2018</a:t>
+              <a:t>6/24/2018</a:t>
             </a:fld>
             <a:endParaRPr lang="en-US" dirty="0"/>
           </a:p>
@@ -3790,7 +3795,7 @@
             <a:fld id="{B61BEF0D-F0BB-DE4B-95CE-6DB70DBA9567}" type="datetimeFigureOut">
               <a:rPr lang="en-US" dirty="0"/>
               <a:pPr/>
-              <a:t>6/16/2018</a:t>
+              <a:t>6/24/2018</a:t>
             </a:fld>
             <a:endParaRPr lang="en-US" dirty="0"/>
           </a:p>
@@ -3910,7 +3915,7 @@
             <a:fld id="{B61BEF0D-F0BB-DE4B-95CE-6DB70DBA9567}" type="datetimeFigureOut">
               <a:rPr lang="en-US" dirty="0"/>
               <a:pPr/>
-              <a:t>6/16/2018</a:t>
+              <a:t>6/24/2018</a:t>
             </a:fld>
             <a:endParaRPr lang="en-US" dirty="0"/>
           </a:p>
@@ -4002,7 +4007,7 @@
             <a:fld id="{B61BEF0D-F0BB-DE4B-95CE-6DB70DBA9567}" type="datetimeFigureOut">
               <a:rPr lang="en-US" dirty="0"/>
               <a:pPr/>
-              <a:t>6/16/2018</a:t>
+              <a:t>6/24/2018</a:t>
             </a:fld>
             <a:endParaRPr lang="en-US" dirty="0"/>
           </a:p>
@@ -4253,7 +4258,7 @@
           <a:p>
             <a:fld id="{42A54C80-263E-416B-A8E0-580EDEADCBDC}" type="datetimeFigureOut">
               <a:rPr lang="en-US" dirty="0"/>
-              <a:t>6/16/2018</a:t>
+              <a:t>6/24/2018</a:t>
             </a:fld>
             <a:endParaRPr lang="en-US" dirty="0"/>
           </a:p>
@@ -4512,7 +4517,7 @@
             <a:fld id="{B61BEF0D-F0BB-DE4B-95CE-6DB70DBA9567}" type="datetimeFigureOut">
               <a:rPr lang="en-US" dirty="0"/>
               <a:pPr/>
-              <a:t>6/16/2018</a:t>
+              <a:t>6/24/2018</a:t>
             </a:fld>
             <a:endParaRPr lang="en-US" dirty="0"/>
           </a:p>
@@ -5252,7 +5257,7 @@
             <a:fld id="{B61BEF0D-F0BB-DE4B-95CE-6DB70DBA9567}" type="datetimeFigureOut">
               <a:rPr lang="en-US" dirty="0"/>
               <a:pPr/>
-              <a:t>6/16/2018</a:t>
+              <a:t>6/24/2018</a:t>
             </a:fld>
             <a:endParaRPr lang="en-US" dirty="0"/>
           </a:p>
@@ -5785,7 +5790,7 @@
         <p:spPr>
           <a:xfrm>
             <a:off x="626850" y="2404531"/>
-            <a:ext cx="7766936" cy="1646302"/>
+            <a:ext cx="7766936" cy="945420"/>
           </a:xfrm>
         </p:spPr>
         <p:txBody>
@@ -5808,7 +5813,56 @@
                   </a:schemeClr>
                 </a:solidFill>
               </a:rPr>
-              <a:t> NEW FEATURES</a:t>
+              <a:t> NEW </a:t>
+            </a:r>
+            <a:r>
+              <a:rPr lang="en-US" dirty="0" smtClean="0">
+                <a:solidFill>
+                  <a:schemeClr val="accent5">
+                    <a:lumMod val="75000"/>
+                  </a:schemeClr>
+                </a:solidFill>
+              </a:rPr>
+              <a:t>FEATURES</a:t>
+            </a:r>
+            <a:br>
+              <a:rPr lang="en-US" dirty="0" smtClean="0">
+                <a:solidFill>
+                  <a:schemeClr val="accent5">
+                    <a:lumMod val="75000"/>
+                  </a:schemeClr>
+                </a:solidFill>
+              </a:rPr>
+            </a:br>
+            <a:r>
+              <a:rPr lang="en-US" dirty="0" smtClean="0">
+                <a:solidFill>
+                  <a:schemeClr val="accent5">
+                    <a:lumMod val="75000"/>
+                  </a:schemeClr>
+                </a:solidFill>
+              </a:rPr>
+              <a:t>(</a:t>
+            </a:r>
+            <a:r>
+              <a:rPr lang="en-US" sz="2400" dirty="0" smtClean="0">
+                <a:solidFill>
+                  <a:schemeClr val="accent5">
+                    <a:lumMod val="75000"/>
+                  </a:schemeClr>
+                </a:solidFill>
+              </a:rPr>
+              <a:t>Lambda-Expression And Functional Interface</a:t>
+            </a:r>
+            <a:r>
+              <a:rPr lang="en-US" dirty="0" smtClean="0">
+                <a:solidFill>
+                  <a:schemeClr val="accent5">
+                    <a:lumMod val="75000"/>
+                  </a:schemeClr>
+                </a:solidFill>
+              </a:rPr>
+              <a:t>)</a:t>
             </a:r>
             <a:endParaRPr lang="en-US" dirty="0">
               <a:solidFill>
@@ -5906,7 +5960,12 @@
             <p:ph idx="1"/>
           </p:nvPr>
         </p:nvSpPr>
-        <p:spPr/>
+        <p:spPr>
+          <a:xfrm>
+            <a:off x="1172990" y="1930400"/>
+            <a:ext cx="8596668" cy="3880773"/>
+          </a:xfrm>
+        </p:spPr>
         <p:txBody>
           <a:bodyPr/>
           <a:lstStyle/>
@@ -5919,11 +5978,11 @@
               <a:t>Q    :  </a:t>
             </a:r>
             <a:r>
-              <a:rPr lang="en-US" dirty="0"/>
+              <a:rPr lang="en-US" b="1" dirty="0"/>
               <a:t>Benefits of JAVA8 </a:t>
             </a:r>
             <a:r>
-              <a:rPr lang="en-US" dirty="0" smtClean="0"/>
+              <a:rPr lang="en-US" b="1" dirty="0" smtClean="0"/>
               <a:t>?</a:t>
             </a:r>
           </a:p>
@@ -5960,8 +6019,55 @@
           <a:p>
             <a:r>
               <a:rPr lang="en-US" dirty="0"/>
-              <a:t>    To enable parallel programming.</a:t>
-            </a:r>
+              <a:t>    To enable parallel programming</a:t>
+            </a:r>
+            <a:r>
+              <a:rPr lang="en-US" dirty="0" smtClean="0"/>
+              <a:t>.</a:t>
+            </a:r>
+          </a:p>
+          <a:p>
+            <a:r>
+              <a:rPr lang="en-US" dirty="0" smtClean="0"/>
+              <a:t>    Two main Features of JAVA 8 </a:t>
+            </a:r>
+          </a:p>
+          <a:p>
+            <a:r>
+              <a:rPr lang="en-US" dirty="0" smtClean="0"/>
+              <a:t>         </a:t>
+            </a:r>
+            <a:r>
+              <a:rPr lang="en-US" dirty="0" smtClean="0">
+                <a:solidFill>
+                  <a:srgbClr val="FF0000"/>
+                </a:solidFill>
+              </a:rPr>
+              <a:t>1.</a:t>
+            </a:r>
+            <a:r>
+              <a:rPr lang="en-US" dirty="0" smtClean="0"/>
+              <a:t> Lambda Expression</a:t>
+            </a:r>
+          </a:p>
+          <a:p>
+            <a:r>
+              <a:rPr lang="en-US" dirty="0" smtClean="0"/>
+              <a:t>         </a:t>
+            </a:r>
+            <a:r>
+              <a:rPr lang="en-US" dirty="0" smtClean="0">
+                <a:solidFill>
+                  <a:srgbClr val="FF0000"/>
+                </a:solidFill>
+              </a:rPr>
+              <a:t>2.</a:t>
+            </a:r>
+            <a:r>
+              <a:rPr lang="en-US" dirty="0" smtClean="0"/>
+              <a:t> Functional Interface</a:t>
+            </a:r>
+            <a:endParaRPr lang="en-US" dirty="0"/>
           </a:p>
         </p:txBody>
       </p:sp>
@@ -6012,7 +6118,15 @@
           <a:p>
             <a:r>
               <a:rPr lang="en-US" dirty="0" smtClean="0"/>
-              <a:t>                   Lambda Expression</a:t>
+              <a:t>          </a:t>
+            </a:r>
+            <a:r>
+              <a:rPr lang="en-US" dirty="0" smtClean="0"/>
+              <a:t>   Lambda </a:t>
+            </a:r>
+            <a:r>
+              <a:rPr lang="en-US" dirty="0" smtClean="0"/>
+              <a:t>Expression</a:t>
             </a:r>
             <a:endParaRPr lang="en-US" dirty="0"/>
           </a:p>
@@ -6028,9 +6142,16 @@
             <p:ph idx="1"/>
           </p:nvPr>
         </p:nvSpPr>
-        <p:spPr/>
-        <p:txBody>
-          <a:bodyPr/>
+        <p:spPr>
+          <a:xfrm>
+            <a:off x="677334" y="1461331"/>
+            <a:ext cx="8596668" cy="5007835"/>
+          </a:xfrm>
+        </p:spPr>
+        <p:txBody>
+          <a:bodyPr>
+            <a:normAutofit fontScale="92500" lnSpcReduction="10000"/>
+          </a:bodyPr>
           <a:lstStyle/>
           <a:p>
             <a:pPr marL="0" indent="0">
@@ -6059,13 +6180,170 @@
             </a:r>
           </a:p>
           <a:p>
+            <a:pPr>
+              <a:buFont typeface="Wingdings" panose="05000000000000000000" pitchFamily="2" charset="2"/>
+              <a:buChar char="Ø"/>
+            </a:pPr>
+            <a:r>
+              <a:rPr lang="en-US" dirty="0" smtClean="0"/>
+              <a:t>lambda </a:t>
+            </a:r>
+            <a:r>
+              <a:rPr lang="en-US" dirty="0" smtClean="0"/>
+              <a:t>expression is anonymous function having no name, no modifier and     	no return type. </a:t>
+            </a:r>
+            <a:endParaRPr lang="en-US" dirty="0" smtClean="0"/>
+          </a:p>
+          <a:p>
+            <a:pPr>
+              <a:buFont typeface="Wingdings" panose="05000000000000000000" pitchFamily="2" charset="2"/>
+              <a:buChar char="Ø"/>
+            </a:pPr>
+            <a:r>
+              <a:rPr lang="en-US" dirty="0" smtClean="0"/>
+              <a:t>Ex. – </a:t>
+            </a:r>
+            <a:r>
+              <a:rPr lang="en-US" dirty="0" smtClean="0">
+                <a:solidFill>
+                  <a:srgbClr val="FF0000"/>
+                </a:solidFill>
+              </a:rPr>
+              <a:t>Without Lambda Method implementation</a:t>
+            </a:r>
+          </a:p>
+          <a:p>
+            <a:pPr>
+              <a:buFont typeface="Wingdings" panose="05000000000000000000" pitchFamily="2" charset="2"/>
+              <a:buChar char="Ø"/>
+            </a:pPr>
+            <a:r>
+              <a:rPr lang="en-US" dirty="0"/>
+              <a:t> </a:t>
+            </a:r>
+            <a:r>
+              <a:rPr lang="en-US" dirty="0" smtClean="0"/>
+              <a:t>         </a:t>
+            </a:r>
+            <a:r>
+              <a:rPr lang="en-US" dirty="0" smtClean="0">
+                <a:solidFill>
+                  <a:srgbClr val="00B050"/>
+                </a:solidFill>
+              </a:rPr>
+              <a:t>public void m1() {</a:t>
+            </a:r>
+          </a:p>
+          <a:p>
             <a:pPr marL="0" indent="0">
               <a:buNone/>
             </a:pPr>
             <a:r>
+              <a:rPr lang="en-US" dirty="0" smtClean="0">
+                <a:solidFill>
+                  <a:srgbClr val="00B050"/>
+                </a:solidFill>
+              </a:rPr>
+              <a:t> 			</a:t>
+            </a:r>
+            <a:r>
+              <a:rPr lang="en-US" dirty="0" err="1">
+                <a:solidFill>
+                  <a:srgbClr val="00B050"/>
+                </a:solidFill>
+              </a:rPr>
+              <a:t>System.out.println</a:t>
+            </a:r>
+            <a:r>
+              <a:rPr lang="en-US" dirty="0">
+                <a:solidFill>
+                  <a:srgbClr val="00B050"/>
+                </a:solidFill>
+              </a:rPr>
+              <a:t>(“hello”);</a:t>
+            </a:r>
+          </a:p>
+          <a:p>
+            <a:pPr marL="0" indent="0">
+              <a:buNone/>
+            </a:pPr>
+            <a:r>
+              <a:rPr lang="en-US" dirty="0" smtClean="0">
+                <a:solidFill>
+                  <a:srgbClr val="00B050"/>
+                </a:solidFill>
+              </a:rPr>
+              <a:t>                }</a:t>
+            </a:r>
+          </a:p>
+          <a:p>
+            <a:pPr marL="0" indent="0">
+              <a:buNone/>
+            </a:pPr>
+            <a:r>
               <a:rPr lang="en-US" dirty="0" smtClean="0"/>
-              <a:t>&gt;     lambda expression is anonymous function having no name, no modifier and     	no return type. </a:t>
-            </a:r>
+              <a:t>             </a:t>
+            </a:r>
+            <a:r>
+              <a:rPr lang="en-US" dirty="0" smtClean="0">
+                <a:solidFill>
+                  <a:srgbClr val="FF0000"/>
+                </a:solidFill>
+              </a:rPr>
+              <a:t>With </a:t>
+            </a:r>
+            <a:r>
+              <a:rPr lang="en-US" dirty="0">
+                <a:solidFill>
+                  <a:srgbClr val="FF0000"/>
+                </a:solidFill>
+              </a:rPr>
+              <a:t>Lambda Method implementation</a:t>
+            </a:r>
+            <a:endParaRPr lang="en-US" dirty="0" smtClean="0">
+              <a:solidFill>
+                <a:srgbClr val="FF0000"/>
+              </a:solidFill>
+            </a:endParaRPr>
+          </a:p>
+          <a:p>
+            <a:pPr>
+              <a:buFont typeface="Wingdings" panose="05000000000000000000" pitchFamily="2" charset="2"/>
+              <a:buChar char="Ø"/>
+            </a:pPr>
+            <a:r>
+              <a:rPr lang="en-US" dirty="0" smtClean="0"/>
+              <a:t>         </a:t>
+            </a:r>
+            <a:r>
+              <a:rPr lang="en-US" dirty="0" smtClean="0">
+                <a:solidFill>
+                  <a:srgbClr val="00B050"/>
+                </a:solidFill>
+              </a:rPr>
+              <a:t>() -&gt; </a:t>
+            </a:r>
+            <a:r>
+              <a:rPr lang="en-US" dirty="0" err="1" smtClean="0">
+                <a:solidFill>
+                  <a:srgbClr val="00B050"/>
+                </a:solidFill>
+              </a:rPr>
+              <a:t>System.out.println</a:t>
+            </a:r>
+            <a:r>
+              <a:rPr lang="en-US" dirty="0" smtClean="0">
+                <a:solidFill>
+                  <a:srgbClr val="00B050"/>
+                </a:solidFill>
+              </a:rPr>
+              <a:t>(“hello”);</a:t>
+            </a:r>
+            <a:endParaRPr lang="en-US" dirty="0" smtClean="0">
+              <a:solidFill>
+                <a:srgbClr val="00B050"/>
+              </a:solidFill>
+            </a:endParaRPr>
           </a:p>
           <a:p>
             <a:r>
@@ -6166,9 +6444,16 @@
             <p:ph idx="1"/>
           </p:nvPr>
         </p:nvSpPr>
-        <p:spPr/>
-        <p:txBody>
-          <a:bodyPr/>
+        <p:spPr>
+          <a:xfrm>
+            <a:off x="993528" y="1425651"/>
+            <a:ext cx="8596668" cy="4359852"/>
+          </a:xfrm>
+        </p:spPr>
+        <p:txBody>
+          <a:bodyPr>
+            <a:normAutofit lnSpcReduction="10000"/>
+          </a:bodyPr>
           <a:lstStyle/>
           <a:p>
             <a:r>
@@ -6181,7 +6466,85 @@
             </a:r>
             <a:r>
               <a:rPr lang="en-US" dirty="0" smtClean="0"/>
-              <a:t>) is Known as   	functional interface.</a:t>
+              <a:t>) is Known as   	functional interface</a:t>
+            </a:r>
+            <a:r>
+              <a:rPr lang="en-US" dirty="0" smtClean="0"/>
+              <a:t>.</a:t>
+            </a:r>
+          </a:p>
+          <a:p>
+            <a:r>
+              <a:rPr lang="en-US" dirty="0" smtClean="0"/>
+              <a:t>  It acts as type for lambda-expression.</a:t>
+            </a:r>
+          </a:p>
+          <a:p>
+            <a:r>
+              <a:rPr lang="en-US" dirty="0" smtClean="0"/>
+              <a:t>  </a:t>
+            </a:r>
+            <a:r>
+              <a:rPr lang="en-US" dirty="0" smtClean="0">
+                <a:solidFill>
+                  <a:srgbClr val="FF0000"/>
+                </a:solidFill>
+              </a:rPr>
+              <a:t>Ex. </a:t>
+            </a:r>
+            <a:r>
+              <a:rPr lang="en-US" dirty="0">
+                <a:solidFill>
+                  <a:srgbClr val="FF0000"/>
+                </a:solidFill>
+              </a:rPr>
+              <a:t>=</a:t>
+            </a:r>
+            <a:r>
+              <a:rPr lang="en-US" dirty="0" smtClean="0">
+                <a:solidFill>
+                  <a:srgbClr val="FF0000"/>
+                </a:solidFill>
+              </a:rPr>
+              <a:t>  </a:t>
+            </a:r>
+            <a:r>
+              <a:rPr lang="en-US" dirty="0" err="1" smtClean="0">
+                <a:solidFill>
+                  <a:srgbClr val="00B050"/>
+                </a:solidFill>
+              </a:rPr>
+              <a:t>Interf</a:t>
+            </a:r>
+            <a:r>
+              <a:rPr lang="en-US" dirty="0" smtClean="0">
+                <a:solidFill>
+                  <a:srgbClr val="00B050"/>
+                </a:solidFill>
+              </a:rPr>
+              <a:t>  f = () -&gt; </a:t>
+            </a:r>
+            <a:r>
+              <a:rPr lang="en-US" dirty="0" err="1" smtClean="0">
+                <a:solidFill>
+                  <a:srgbClr val="00B050"/>
+                </a:solidFill>
+              </a:rPr>
+              <a:t>System.out.println</a:t>
+            </a:r>
+            <a:r>
+              <a:rPr lang="en-US" dirty="0" smtClean="0">
+                <a:solidFill>
+                  <a:srgbClr val="00B050"/>
+                </a:solidFill>
+              </a:rPr>
+              <a:t>(“hello”);</a:t>
+            </a:r>
+          </a:p>
+          <a:p>
+            <a:r>
+              <a:rPr lang="en-US" dirty="0" smtClean="0"/>
+              <a:t>  It can be used to invoke lambda – expression.</a:t>
             </a:r>
             <a:endParaRPr lang="en-US" dirty="0"/>
           </a:p>
@@ -6191,7 +6554,11 @@
               <a:t>	</a:t>
             </a:r>
             <a:r>
-              <a:rPr lang="en-US" dirty="0" smtClean="0"/>
+              <a:rPr lang="en-US" dirty="0" smtClean="0">
+                <a:solidFill>
+                  <a:srgbClr val="FF0000"/>
+                </a:solidFill>
+              </a:rPr>
               <a:t>Example. – </a:t>
             </a:r>
           </a:p>
@@ -6273,12 +6640,24 @@
           </a:p>
           <a:p>
             <a:r>
-              <a:rPr lang="en-US" b="1" dirty="0" smtClean="0"/>
+              <a:rPr lang="en-US" b="1" dirty="0" smtClean="0">
+                <a:solidFill>
+                  <a:srgbClr val="FF0000"/>
+                </a:solidFill>
+              </a:rPr>
               <a:t>Note</a:t>
             </a:r>
             <a:r>
+              <a:rPr lang="en-US" dirty="0" smtClean="0">
+                <a:solidFill>
+                  <a:srgbClr val="FF0000"/>
+                </a:solidFill>
+              </a:rPr>
+              <a:t> : </a:t>
+            </a:r>
+            <a:r>
               <a:rPr lang="en-US" dirty="0" smtClean="0"/>
-              <a:t> : In </a:t>
+              <a:t>In </a:t>
             </a:r>
             <a:r>
               <a:rPr lang="en-US" dirty="0"/>
@@ -6378,15 +6757,35 @@
           <a:p>
             <a:r>
               <a:rPr lang="en-US" dirty="0"/>
-              <a:t>Q.: what is the purpose of @</a:t>
-            </a:r>
-            <a:r>
-              <a:rPr lang="en-US" dirty="0" err="1"/>
+              <a:t>Q.: what is the purpose of </a:t>
+            </a:r>
+            <a:r>
+              <a:rPr lang="en-US" dirty="0">
+                <a:solidFill>
+                  <a:srgbClr val="FF0000"/>
+                </a:solidFill>
+              </a:rPr>
+              <a:t>@</a:t>
+            </a:r>
+            <a:r>
+              <a:rPr lang="en-US" dirty="0" err="1">
+                <a:solidFill>
+                  <a:srgbClr val="FF0000"/>
+                </a:solidFill>
+              </a:rPr>
               <a:t>FunctionalInterface</a:t>
             </a:r>
             <a:r>
-              <a:rPr lang="en-US" dirty="0"/>
-              <a:t> ?</a:t>
+              <a:rPr lang="en-US" dirty="0">
+                <a:solidFill>
+                  <a:srgbClr val="FF0000"/>
+                </a:solidFill>
+              </a:rPr>
+              <a:t> </a:t>
+            </a:r>
+            <a:r>
+              <a:rPr lang="en-US" dirty="0"/>
+              <a:t>?</a:t>
             </a:r>
           </a:p>
           <a:p>
@@ -6412,7 +6811,17 @@
             </a:r>
             <a:r>
               <a:rPr lang="en-US" dirty="0" smtClean="0"/>
-              <a:t>method, We can declare only 			single abstract method if trying to declare second abstract method , it 		will show compile time Error.</a:t>
+              <a:t>method, We can declare only 			single abstract method if trying to declare second abstract method , it 		will show compile time Error</a:t>
+            </a:r>
+            <a:r>
+              <a:rPr lang="en-US" dirty="0" smtClean="0"/>
+              <a:t>.</a:t>
+            </a:r>
+          </a:p>
+          <a:p>
+            <a:r>
+              <a:rPr lang="en-US" dirty="0" smtClean="0"/>
+              <a:t>     But we can declare any number of static methods and default methods.</a:t>
             </a:r>
             <a:endParaRPr lang="en-US" dirty="0"/>
           </a:p>
@@ -6473,7 +6882,15 @@
           <a:p>
             <a:r>
               <a:rPr lang="en-US" dirty="0" smtClean="0"/>
-              <a:t>Write Code Using Lambda Expression and Invoke methods using Functional Interface</a:t>
+              <a:t>Write </a:t>
+            </a:r>
+            <a:r>
+              <a:rPr lang="en-US" dirty="0" smtClean="0"/>
+              <a:t>Code Using Lambda Expression and Invoke methods using Functional </a:t>
+            </a:r>
+            <a:r>
+              <a:rPr lang="en-US" dirty="0" smtClean="0"/>
+              <a:t>Interface.</a:t>
             </a:r>
             <a:endParaRPr lang="en-US" dirty="0"/>
           </a:p>
